--- a/poster-dog-detection.pptx
+++ b/poster-dog-detection.pptx
@@ -255,7 +255,7 @@
           <a:p>
             <a:fld id="{688949D5-F217-4219-9B23-DBE9FF31A1E5}" type="datetimeFigureOut">
               <a:rPr lang="sr-Latn-RS" smtClean="0"/>
-              <a:t>1.2.2021.</a:t>
+              <a:t>3.2.2021.</a:t>
             </a:fld>
             <a:endParaRPr lang="sr-Latn-RS"/>
           </a:p>
@@ -425,7 +425,7 @@
           <a:p>
             <a:fld id="{688949D5-F217-4219-9B23-DBE9FF31A1E5}" type="datetimeFigureOut">
               <a:rPr lang="sr-Latn-RS" smtClean="0"/>
-              <a:t>1.2.2021.</a:t>
+              <a:t>3.2.2021.</a:t>
             </a:fld>
             <a:endParaRPr lang="sr-Latn-RS"/>
           </a:p>
@@ -605,7 +605,7 @@
           <a:p>
             <a:fld id="{688949D5-F217-4219-9B23-DBE9FF31A1E5}" type="datetimeFigureOut">
               <a:rPr lang="sr-Latn-RS" smtClean="0"/>
-              <a:t>1.2.2021.</a:t>
+              <a:t>3.2.2021.</a:t>
             </a:fld>
             <a:endParaRPr lang="sr-Latn-RS"/>
           </a:p>
@@ -775,7 +775,7 @@
           <a:p>
             <a:fld id="{688949D5-F217-4219-9B23-DBE9FF31A1E5}" type="datetimeFigureOut">
               <a:rPr lang="sr-Latn-RS" smtClean="0"/>
-              <a:t>1.2.2021.</a:t>
+              <a:t>3.2.2021.</a:t>
             </a:fld>
             <a:endParaRPr lang="sr-Latn-RS"/>
           </a:p>
@@ -1019,7 +1019,7 @@
           <a:p>
             <a:fld id="{688949D5-F217-4219-9B23-DBE9FF31A1E5}" type="datetimeFigureOut">
               <a:rPr lang="sr-Latn-RS" smtClean="0"/>
-              <a:t>1.2.2021.</a:t>
+              <a:t>3.2.2021.</a:t>
             </a:fld>
             <a:endParaRPr lang="sr-Latn-RS"/>
           </a:p>
@@ -1251,7 +1251,7 @@
           <a:p>
             <a:fld id="{688949D5-F217-4219-9B23-DBE9FF31A1E5}" type="datetimeFigureOut">
               <a:rPr lang="sr-Latn-RS" smtClean="0"/>
-              <a:t>1.2.2021.</a:t>
+              <a:t>3.2.2021.</a:t>
             </a:fld>
             <a:endParaRPr lang="sr-Latn-RS"/>
           </a:p>
@@ -1618,7 +1618,7 @@
           <a:p>
             <a:fld id="{688949D5-F217-4219-9B23-DBE9FF31A1E5}" type="datetimeFigureOut">
               <a:rPr lang="sr-Latn-RS" smtClean="0"/>
-              <a:t>1.2.2021.</a:t>
+              <a:t>3.2.2021.</a:t>
             </a:fld>
             <a:endParaRPr lang="sr-Latn-RS"/>
           </a:p>
@@ -1736,7 +1736,7 @@
           <a:p>
             <a:fld id="{688949D5-F217-4219-9B23-DBE9FF31A1E5}" type="datetimeFigureOut">
               <a:rPr lang="sr-Latn-RS" smtClean="0"/>
-              <a:t>1.2.2021.</a:t>
+              <a:t>3.2.2021.</a:t>
             </a:fld>
             <a:endParaRPr lang="sr-Latn-RS"/>
           </a:p>
@@ -1831,7 +1831,7 @@
           <a:p>
             <a:fld id="{688949D5-F217-4219-9B23-DBE9FF31A1E5}" type="datetimeFigureOut">
               <a:rPr lang="sr-Latn-RS" smtClean="0"/>
-              <a:t>1.2.2021.</a:t>
+              <a:t>3.2.2021.</a:t>
             </a:fld>
             <a:endParaRPr lang="sr-Latn-RS"/>
           </a:p>
@@ -2108,7 +2108,7 @@
           <a:p>
             <a:fld id="{688949D5-F217-4219-9B23-DBE9FF31A1E5}" type="datetimeFigureOut">
               <a:rPr lang="sr-Latn-RS" smtClean="0"/>
-              <a:t>1.2.2021.</a:t>
+              <a:t>3.2.2021.</a:t>
             </a:fld>
             <a:endParaRPr lang="sr-Latn-RS"/>
           </a:p>
@@ -2365,7 +2365,7 @@
           <a:p>
             <a:fld id="{688949D5-F217-4219-9B23-DBE9FF31A1E5}" type="datetimeFigureOut">
               <a:rPr lang="sr-Latn-RS" smtClean="0"/>
-              <a:t>1.2.2021.</a:t>
+              <a:t>3.2.2021.</a:t>
             </a:fld>
             <a:endParaRPr lang="sr-Latn-RS"/>
           </a:p>
@@ -2578,7 +2578,7 @@
           <a:p>
             <a:fld id="{688949D5-F217-4219-9B23-DBE9FF31A1E5}" type="datetimeFigureOut">
               <a:rPr lang="sr-Latn-RS" smtClean="0"/>
-              <a:t>1.2.2021.</a:t>
+              <a:t>3.2.2021.</a:t>
             </a:fld>
             <a:endParaRPr lang="sr-Latn-RS"/>
           </a:p>
@@ -3143,8 +3143,8 @@
         </p:nvSpPr>
         <p:spPr>
           <a:xfrm>
-            <a:off x="5486400" y="426719"/>
-            <a:ext cx="32918400" cy="2185214"/>
+            <a:off x="5029200" y="367231"/>
+            <a:ext cx="33832800" cy="2123658"/>
           </a:xfrm>
           <a:prstGeom prst="rect">
             <a:avLst/>
@@ -3165,8 +3165,19 @@
                 <a:latin typeface="Trebuchet MS" panose="020B0603020202020204" pitchFamily="34" charset="0"/>
                 <a:ea typeface="Verdana" panose="020B0604030504040204" pitchFamily="34" charset="0"/>
               </a:rPr>
-              <a:t>Detekcija i određivanje rase pasa na slici</a:t>
-            </a:r>
+              <a:t>Detekcija i određivanje rase pasa na </a:t>
+            </a:r>
+            <a:r>
+              <a:rPr lang="sr-Latn-RS" sz="13200" dirty="0" smtClean="0">
+                <a:latin typeface="Trebuchet MS" panose="020B0603020202020204" pitchFamily="34" charset="0"/>
+                <a:ea typeface="Verdana" panose="020B0604030504040204" pitchFamily="34" charset="0"/>
+              </a:rPr>
+              <a:t>slikama</a:t>
+            </a:r>
+            <a:endParaRPr lang="sr-Latn-RS" sz="13200" dirty="0" smtClean="0">
+              <a:latin typeface="Trebuchet MS" panose="020B0603020202020204" pitchFamily="34" charset="0"/>
+              <a:ea typeface="Verdana" panose="020B0604030504040204" pitchFamily="34" charset="0"/>
+            </a:endParaRPr>
           </a:p>
         </p:txBody>
       </p:sp>
@@ -3220,7 +3231,43 @@
                 <a:latin typeface="Trebuchet MS" panose="020B0603020202020204" pitchFamily="34" charset="0"/>
                 <a:ea typeface="Verdana" panose="020B0604030504040204" pitchFamily="34" charset="0"/>
               </a:rPr>
-              <a:t>Fakultet Tehničkih nauka, Novi Sad</a:t>
+              <a:t>Fakultet Tehničkih </a:t>
+            </a:r>
+            <a:r>
+              <a:rPr lang="en-US" sz="4000" i="1" dirty="0">
+                <a:solidFill>
+                  <a:schemeClr val="bg2">
+                    <a:lumMod val="10000"/>
+                  </a:schemeClr>
+                </a:solidFill>
+                <a:latin typeface="Trebuchet MS" panose="020B0603020202020204" pitchFamily="34" charset="0"/>
+                <a:ea typeface="Verdana" panose="020B0604030504040204" pitchFamily="34" charset="0"/>
+              </a:rPr>
+              <a:t>N</a:t>
+            </a:r>
+            <a:r>
+              <a:rPr lang="sr-Latn-RS" sz="4000" i="1" dirty="0" smtClean="0">
+                <a:solidFill>
+                  <a:schemeClr val="bg2">
+                    <a:lumMod val="10000"/>
+                  </a:schemeClr>
+                </a:solidFill>
+                <a:latin typeface="Trebuchet MS" panose="020B0603020202020204" pitchFamily="34" charset="0"/>
+                <a:ea typeface="Verdana" panose="020B0604030504040204" pitchFamily="34" charset="0"/>
+              </a:rPr>
+              <a:t>auka</a:t>
+            </a:r>
+            <a:r>
+              <a:rPr lang="sr-Latn-RS" sz="4000" i="1" dirty="0" smtClean="0">
+                <a:solidFill>
+                  <a:schemeClr val="bg2">
+                    <a:lumMod val="10000"/>
+                  </a:schemeClr>
+                </a:solidFill>
+                <a:latin typeface="Trebuchet MS" panose="020B0603020202020204" pitchFamily="34" charset="0"/>
+                <a:ea typeface="Verdana" panose="020B0604030504040204" pitchFamily="34" charset="0"/>
+              </a:rPr>
+              <a:t>, Novi Sad</a:t>
             </a:r>
           </a:p>
         </p:txBody>
@@ -3780,7 +3827,84 @@
                 <a:latin typeface="Times New Roman" panose="02020603050405020304" pitchFamily="18" charset="0"/>
                 <a:cs typeface="Times New Roman" panose="02020603050405020304" pitchFamily="18" charset="0"/>
               </a:rPr>
-              <a:t>Cilj projekta je detekcija pasa na slikama i određivanje njihove rase. Ulaz u sistem predstavlja slika na kojoj se nalaze jedan ili više pasa. Izlaz iz sistema je sika na kojoj su psi uokvireni okvirom sa labelom koja predstavlja rasu psa</a:t>
+              <a:t>Cilj projekta je detekcija pasa na slikama i određivanje njihove rase. Ulaz u sistem predstavlja slika na kojoj se nalaze jedan ili više pasa. Izlaz iz sistema je </a:t>
+            </a:r>
+            <a:r>
+              <a:rPr lang="sr-Latn-RS" sz="2800" dirty="0" smtClean="0">
+                <a:latin typeface="Times New Roman" panose="02020603050405020304" pitchFamily="18" charset="0"/>
+                <a:cs typeface="Times New Roman" panose="02020603050405020304" pitchFamily="18" charset="0"/>
+              </a:rPr>
+              <a:t>s</a:t>
+            </a:r>
+            <a:r>
+              <a:rPr lang="en-US" sz="2800" dirty="0" smtClean="0">
+                <a:latin typeface="Times New Roman" panose="02020603050405020304" pitchFamily="18" charset="0"/>
+                <a:cs typeface="Times New Roman" panose="02020603050405020304" pitchFamily="18" charset="0"/>
+              </a:rPr>
+              <a:t>l</a:t>
+            </a:r>
+            <a:r>
+              <a:rPr lang="sr-Latn-RS" sz="2800" dirty="0" smtClean="0">
+                <a:latin typeface="Times New Roman" panose="02020603050405020304" pitchFamily="18" charset="0"/>
+                <a:cs typeface="Times New Roman" panose="02020603050405020304" pitchFamily="18" charset="0"/>
+              </a:rPr>
+              <a:t>ika </a:t>
+            </a:r>
+            <a:r>
+              <a:rPr lang="sr-Latn-RS" sz="2800" dirty="0">
+                <a:latin typeface="Times New Roman" panose="02020603050405020304" pitchFamily="18" charset="0"/>
+                <a:cs typeface="Times New Roman" panose="02020603050405020304" pitchFamily="18" charset="0"/>
+              </a:rPr>
+              <a:t>na kojoj su psi uokvireni </a:t>
+            </a:r>
+            <a:r>
+              <a:rPr lang="sr-Latn-RS" sz="2800" dirty="0" smtClean="0">
+                <a:latin typeface="Times New Roman" panose="02020603050405020304" pitchFamily="18" charset="0"/>
+                <a:cs typeface="Times New Roman" panose="02020603050405020304" pitchFamily="18" charset="0"/>
+              </a:rPr>
+              <a:t>okvirima</a:t>
+            </a:r>
+            <a:r>
+              <a:rPr lang="en-US" sz="2800" dirty="0" smtClean="0">
+                <a:latin typeface="Times New Roman" panose="02020603050405020304" pitchFamily="18" charset="0"/>
+                <a:cs typeface="Times New Roman" panose="02020603050405020304" pitchFamily="18" charset="0"/>
+              </a:rPr>
+              <a:t> </a:t>
+            </a:r>
+            <a:r>
+              <a:rPr lang="sr-Latn-RS" sz="2800" dirty="0" smtClean="0">
+                <a:latin typeface="Times New Roman" panose="02020603050405020304" pitchFamily="18" charset="0"/>
+                <a:cs typeface="Times New Roman" panose="02020603050405020304" pitchFamily="18" charset="0"/>
+              </a:rPr>
+              <a:t>sa</a:t>
+            </a:r>
+            <a:r>
+              <a:rPr lang="en-US" sz="2800" dirty="0" smtClean="0">
+                <a:latin typeface="Times New Roman" panose="02020603050405020304" pitchFamily="18" charset="0"/>
+                <a:cs typeface="Times New Roman" panose="02020603050405020304" pitchFamily="18" charset="0"/>
+              </a:rPr>
+              <a:t> </a:t>
+            </a:r>
+            <a:r>
+              <a:rPr lang="sr-Latn-RS" sz="2800" dirty="0" smtClean="0">
+                <a:latin typeface="Times New Roman" panose="02020603050405020304" pitchFamily="18" charset="0"/>
+                <a:cs typeface="Times New Roman" panose="02020603050405020304" pitchFamily="18" charset="0"/>
+              </a:rPr>
+              <a:t>labelama koje predstavljaju rase p</a:t>
+            </a:r>
+            <a:r>
+              <a:rPr lang="en-US" sz="2800" dirty="0" smtClean="0">
+                <a:latin typeface="Times New Roman" panose="02020603050405020304" pitchFamily="18" charset="0"/>
+                <a:cs typeface="Times New Roman" panose="02020603050405020304" pitchFamily="18" charset="0"/>
+              </a:rPr>
+              <a:t>a</a:t>
+            </a:r>
+            <a:r>
+              <a:rPr lang="sr-Latn-RS" sz="2800" dirty="0" smtClean="0">
+                <a:latin typeface="Times New Roman" panose="02020603050405020304" pitchFamily="18" charset="0"/>
+                <a:cs typeface="Times New Roman" panose="02020603050405020304" pitchFamily="18" charset="0"/>
+              </a:rPr>
+              <a:t>sa</a:t>
             </a:r>
             <a:r>
               <a:rPr lang="sr-Latn-RS" sz="2800" dirty="0" smtClean="0">
@@ -3822,14 +3946,7 @@
                 <a:latin typeface="Times New Roman" panose="02020603050405020304" pitchFamily="18" charset="0"/>
                 <a:cs typeface="Times New Roman" panose="02020603050405020304" pitchFamily="18" charset="0"/>
               </a:rPr>
-              <a:t>sistem </a:t>
-            </a:r>
-            <a:r>
-              <a:rPr lang="sr-Latn-RS" sz="2800" dirty="0" smtClean="0">
-                <a:latin typeface="Times New Roman" panose="02020603050405020304" pitchFamily="18" charset="0"/>
-                <a:cs typeface="Times New Roman" panose="02020603050405020304" pitchFamily="18" charset="0"/>
-              </a:rPr>
-              <a:t>za određivanje </a:t>
+              <a:t>sistem za određivanje </a:t>
             </a:r>
             <a:r>
               <a:rPr lang="sr-Latn-RS" sz="2800" dirty="0">
@@ -3843,7 +3960,14 @@
                 <a:latin typeface="Times New Roman" panose="02020603050405020304" pitchFamily="18" charset="0"/>
                 <a:cs typeface="Times New Roman" panose="02020603050405020304" pitchFamily="18" charset="0"/>
               </a:rPr>
-              <a:t>pasa, i mačaka, vrsti </a:t>
+              <a:t>pasa </a:t>
+            </a:r>
+            <a:r>
+              <a:rPr lang="sr-Latn-RS" sz="2800" dirty="0" smtClean="0">
+                <a:latin typeface="Times New Roman" panose="02020603050405020304" pitchFamily="18" charset="0"/>
+                <a:cs typeface="Times New Roman" panose="02020603050405020304" pitchFamily="18" charset="0"/>
+              </a:rPr>
+              <a:t>i mačaka, vrsti </a:t>
             </a:r>
             <a:r>
               <a:rPr lang="sr-Latn-RS" sz="2800" dirty="0">
@@ -3892,7 +4016,7 @@
         <p:spPr>
           <a:xfrm>
             <a:off x="1266092" y="16517201"/>
-            <a:ext cx="8323385" cy="8386911"/>
+            <a:ext cx="8323385" cy="7956024"/>
           </a:xfrm>
           <a:prstGeom prst="rect">
             <a:avLst/>
@@ -3925,11 +4049,25 @@
               <a:t>Staford</a:t>
             </a:r>
             <a:r>
-              <a:rPr lang="sr-Latn-RS" sz="2800" dirty="0" smtClean="0">
-                <a:latin typeface="Times New Roman" panose="02020603050405020304" pitchFamily="18" charset="0"/>
-                <a:cs typeface="Times New Roman" panose="02020603050405020304" pitchFamily="18" charset="0"/>
-              </a:rPr>
-              <a:t> skup slika pasa, koji sadrži anotirane slike 121 rase pasa, ravrstanih po rasama. Od toga, mi smo odabrali 5 rasa pasa:</a:t>
+              <a:rPr lang="en-US" sz="2800" i="1" dirty="0" smtClean="0">
+                <a:latin typeface="Times New Roman" panose="02020603050405020304" pitchFamily="18" charset="0"/>
+                <a:cs typeface="Times New Roman" panose="02020603050405020304" pitchFamily="18" charset="0"/>
+              </a:rPr>
+              <a:t> Dog Dataset</a:t>
+            </a:r>
+            <a:r>
+              <a:rPr lang="sr-Latn-RS" sz="2800" dirty="0" smtClean="0">
+                <a:latin typeface="Times New Roman" panose="02020603050405020304" pitchFamily="18" charset="0"/>
+                <a:cs typeface="Times New Roman" panose="02020603050405020304" pitchFamily="18" charset="0"/>
+              </a:rPr>
+              <a:t> </a:t>
+            </a:r>
+            <a:r>
+              <a:rPr lang="sr-Latn-RS" sz="2800" dirty="0" smtClean="0">
+                <a:latin typeface="Times New Roman" panose="02020603050405020304" pitchFamily="18" charset="0"/>
+                <a:cs typeface="Times New Roman" panose="02020603050405020304" pitchFamily="18" charset="0"/>
+              </a:rPr>
+              <a:t>skup slika pasa, koji sadrži anotirane slike 121 rase pasa, ravrstanih po rasama. Od toga, mi smo odabrali 5 rasa pasa:</a:t>
             </a:r>
           </a:p>
           <a:p>
@@ -4027,21 +4165,35 @@
                 <a:latin typeface="Times New Roman" panose="02020603050405020304" pitchFamily="18" charset="0"/>
                 <a:cs typeface="Times New Roman" panose="02020603050405020304" pitchFamily="18" charset="0"/>
               </a:rPr>
-              <a:t>Zbog malog broja slika, korišćena je </a:t>
-            </a:r>
-            <a:r>
-              <a:rPr lang="sr-Latn-RS" sz="2800" dirty="0" smtClean="0">
-                <a:latin typeface="Times New Roman" panose="02020603050405020304" pitchFamily="18" charset="0"/>
-                <a:cs typeface="Times New Roman" panose="02020603050405020304" pitchFamily="18" charset="0"/>
-              </a:rPr>
-              <a:t>augmentacija </a:t>
-            </a:r>
-            <a:r>
-              <a:rPr lang="sr-Latn-RS" sz="2800" dirty="0" smtClean="0">
-                <a:latin typeface="Times New Roman" panose="02020603050405020304" pitchFamily="18" charset="0"/>
-                <a:cs typeface="Times New Roman" panose="02020603050405020304" pitchFamily="18" charset="0"/>
-              </a:rPr>
-              <a:t>podataka, čime je od polaznih 968 slika dobijeno 13.375 slika pasa, razvrstanih po rasama. Takođe, skup podataka sadrži kao posebnu klasu i 8990 slika  na kojima  nisu psi. Od ukupnog broja slika, 10% je iskorišćeno kao validacioni skup.</a:t>
+              <a:t>Zbog malog broja slika, korišćena je augmentacija podataka, čime je od polaznih 968 slika dobijeno </a:t>
+            </a:r>
+            <a:r>
+              <a:rPr lang="sr-Latn-RS" sz="2800" dirty="0" smtClean="0">
+                <a:latin typeface="Times New Roman" panose="02020603050405020304" pitchFamily="18" charset="0"/>
+                <a:cs typeface="Times New Roman" panose="02020603050405020304" pitchFamily="18" charset="0"/>
+              </a:rPr>
+              <a:t>13.375 </a:t>
+            </a:r>
+            <a:r>
+              <a:rPr lang="sr-Latn-RS" sz="2800" dirty="0" smtClean="0">
+                <a:latin typeface="Times New Roman" panose="02020603050405020304" pitchFamily="18" charset="0"/>
+                <a:cs typeface="Times New Roman" panose="02020603050405020304" pitchFamily="18" charset="0"/>
+              </a:rPr>
+              <a:t>slika pasa, razvrstanih po rasama. Takođe, skup podataka sadrži kao posebnu klasu i </a:t>
+            </a:r>
+            <a:r>
+              <a:rPr lang="sr-Latn-RS" sz="2800" dirty="0" smtClean="0">
+                <a:latin typeface="Times New Roman" panose="02020603050405020304" pitchFamily="18" charset="0"/>
+                <a:cs typeface="Times New Roman" panose="02020603050405020304" pitchFamily="18" charset="0"/>
+              </a:rPr>
+              <a:t>8.990 </a:t>
+            </a:r>
+            <a:r>
+              <a:rPr lang="sr-Latn-RS" sz="2800" dirty="0" smtClean="0">
+                <a:latin typeface="Times New Roman" panose="02020603050405020304" pitchFamily="18" charset="0"/>
+                <a:cs typeface="Times New Roman" panose="02020603050405020304" pitchFamily="18" charset="0"/>
+              </a:rPr>
+              <a:t>slika  na kojima  nisu psi. Od ukupnog broja slika, 10% je iskorišćeno kao validacioni skup.</a:t>
             </a:r>
             <a:endParaRPr lang="en-US" sz="2800" dirty="0" smtClean="0">
               <a:latin typeface="Times New Roman" panose="02020603050405020304" pitchFamily="18" charset="0"/>
@@ -4094,12 +4246,30 @@
                 <a:latin typeface="Times New Roman" panose="02020603050405020304" pitchFamily="18" charset="0"/>
                 <a:cs typeface="Times New Roman" panose="02020603050405020304" pitchFamily="18" charset="0"/>
               </a:rPr>
-              <a:t>korišćeno je 100 slika pasa, ručno dobavljenih na internetu. Slike sadrže ukupno 136 pasa.</a:t>
-            </a:r>
-          </a:p>
-          <a:p>
-            <a:pPr indent="457200" algn="just"/>
-            <a:endParaRPr lang="sr-Latn-RS" sz="2800" dirty="0">
+              <a:t>korišćeno je 100 slika pasa, ručno dobavljenih </a:t>
+            </a:r>
+            <a:r>
+              <a:rPr lang="sr-Latn-RS" sz="2800" dirty="0" smtClean="0">
+                <a:latin typeface="Times New Roman" panose="02020603050405020304" pitchFamily="18" charset="0"/>
+                <a:cs typeface="Times New Roman" panose="02020603050405020304" pitchFamily="18" charset="0"/>
+              </a:rPr>
+              <a:t>sa interneta. </a:t>
+            </a:r>
+            <a:r>
+              <a:rPr lang="sr-Latn-RS" sz="2800" dirty="0" smtClean="0">
+                <a:latin typeface="Times New Roman" panose="02020603050405020304" pitchFamily="18" charset="0"/>
+                <a:cs typeface="Times New Roman" panose="02020603050405020304" pitchFamily="18" charset="0"/>
+              </a:rPr>
+              <a:t>Slike sadrže ukupno 136 pasa</a:t>
+            </a:r>
+            <a:r>
+              <a:rPr lang="sr-Latn-RS" sz="2800" dirty="0" smtClean="0">
+                <a:latin typeface="Times New Roman" panose="02020603050405020304" pitchFamily="18" charset="0"/>
+                <a:cs typeface="Times New Roman" panose="02020603050405020304" pitchFamily="18" charset="0"/>
+              </a:rPr>
+              <a:t>.</a:t>
+            </a:r>
+            <a:endParaRPr lang="sr-Latn-RS" sz="2800" dirty="0" smtClean="0">
               <a:latin typeface="Times New Roman" panose="02020603050405020304" pitchFamily="18" charset="0"/>
               <a:cs typeface="Times New Roman" panose="02020603050405020304" pitchFamily="18" charset="0"/>
             </a:endParaRPr>
@@ -4331,7 +4501,21 @@
                 <a:latin typeface="Times New Roman" panose="02020603050405020304" pitchFamily="18" charset="0"/>
                 <a:cs typeface="Times New Roman" panose="02020603050405020304" pitchFamily="18" charset="0"/>
               </a:rPr>
-              <a:t>Uzimajući u obzir procenat tačno klasifikovanih pasa, ali i broj false-positive-a, najbolje se pokazala treća varijanta ovog metoda.</a:t>
+              <a:t>Uzimajući u obzir procenat </a:t>
+            </a:r>
+            <a:r>
+              <a:rPr lang="sr-Latn-RS" sz="2600" dirty="0" smtClean="0">
+                <a:latin typeface="Times New Roman" panose="02020603050405020304" pitchFamily="18" charset="0"/>
+                <a:cs typeface="Times New Roman" panose="02020603050405020304" pitchFamily="18" charset="0"/>
+              </a:rPr>
+              <a:t>detektovanih i tačno klasifikovanih </a:t>
+            </a:r>
+            <a:r>
+              <a:rPr lang="sr-Latn-RS" sz="2600" dirty="0" smtClean="0">
+                <a:latin typeface="Times New Roman" panose="02020603050405020304" pitchFamily="18" charset="0"/>
+                <a:cs typeface="Times New Roman" panose="02020603050405020304" pitchFamily="18" charset="0"/>
+              </a:rPr>
+              <a:t>pasa, ali i broj false-positive-a, najbolje se pokazala treća varijanta ovog metoda.</a:t>
             </a:r>
           </a:p>
         </p:txBody>
@@ -4345,7 +4529,7 @@
         <p:spPr>
           <a:xfrm>
             <a:off x="12297505" y="8350459"/>
-            <a:ext cx="8323385" cy="10618291"/>
+            <a:ext cx="8323385" cy="10541347"/>
           </a:xfrm>
           <a:prstGeom prst="rect">
             <a:avLst/>
@@ -4458,7 +4642,21 @@
                 <a:latin typeface="Times New Roman" panose="02020603050405020304" pitchFamily="18" charset="0"/>
                 <a:cs typeface="Times New Roman" panose="02020603050405020304" pitchFamily="18" charset="0"/>
               </a:rPr>
-              <a:t> algoritma određuju broj izgenerisanih regiona od interesa. Fast podešavanje daje manje, a quality više regiona. U projektu se koristi implementacija ovog algoritma iz Python OpenCv biblioteke.</a:t>
+              <a:t> algoritma određuju broj izgenerisanih regiona od </a:t>
+            </a:r>
+            <a:r>
+              <a:rPr lang="sr-Latn-RS" sz="2800" dirty="0" smtClean="0">
+                <a:latin typeface="Times New Roman" panose="02020603050405020304" pitchFamily="18" charset="0"/>
+                <a:cs typeface="Times New Roman" panose="02020603050405020304" pitchFamily="18" charset="0"/>
+              </a:rPr>
+              <a:t>interesa, odnosno regiona koji možda sadrže pse. </a:t>
+            </a:r>
+            <a:r>
+              <a:rPr lang="sr-Latn-RS" sz="2800" dirty="0" smtClean="0">
+                <a:latin typeface="Times New Roman" panose="02020603050405020304" pitchFamily="18" charset="0"/>
+                <a:cs typeface="Times New Roman" panose="02020603050405020304" pitchFamily="18" charset="0"/>
+              </a:rPr>
+              <a:t>Fast podešavanje daje manje, a quality više regiona. U projektu se koristi implementacija ovog algoritma iz Python OpenCv biblioteke.</a:t>
             </a:r>
           </a:p>
           <a:p>
@@ -4507,28 +4705,21 @@
                 <a:latin typeface="Times New Roman" panose="02020603050405020304" pitchFamily="18" charset="0"/>
                 <a:cs typeface="Times New Roman" panose="02020603050405020304" pitchFamily="18" charset="0"/>
               </a:rPr>
-              <a:t> (NMS) algoritam, koji je ručno implementiran.</a:t>
-            </a:r>
-          </a:p>
-          <a:p>
-            <a:pPr indent="457200" algn="just">
-              <a:spcBef>
-                <a:spcPts val="600"/>
-              </a:spcBef>
-            </a:pPr>
-            <a:r>
-              <a:rPr lang="sr-Latn-RS" sz="2800" i="1" dirty="0" smtClean="0">
-                <a:latin typeface="Times New Roman" panose="02020603050405020304" pitchFamily="18" charset="0"/>
-                <a:cs typeface="Times New Roman" panose="02020603050405020304" pitchFamily="18" charset="0"/>
-              </a:rPr>
-              <a:t>NMS</a:t>
-            </a:r>
-            <a:r>
-              <a:rPr lang="sr-Latn-RS" sz="2800" dirty="0" smtClean="0">
-                <a:latin typeface="Times New Roman" panose="02020603050405020304" pitchFamily="18" charset="0"/>
-                <a:cs typeface="Times New Roman" panose="02020603050405020304" pitchFamily="18" charset="0"/>
-              </a:rPr>
-              <a:t> je implementiran tako da favorizuje regione većih dimenzija, čime se izbegava obeležavanje jednog psa sa više manjih regiona, a takođe se dobija i efekat grupisanja više pasa iste rase u iste regione, što povećava preglednost rezultata.</a:t>
+              <a:t> (NMS) algoritam, koji je ručno </a:t>
+            </a:r>
+            <a:r>
+              <a:rPr lang="sr-Latn-RS" sz="2800" dirty="0" smtClean="0">
+                <a:latin typeface="Times New Roman" panose="02020603050405020304" pitchFamily="18" charset="0"/>
+                <a:cs typeface="Times New Roman" panose="02020603050405020304" pitchFamily="18" charset="0"/>
+              </a:rPr>
+              <a:t>implementiran </a:t>
+            </a:r>
+            <a:r>
+              <a:rPr lang="sr-Latn-RS" sz="2800" dirty="0" smtClean="0">
+                <a:latin typeface="Times New Roman" panose="02020603050405020304" pitchFamily="18" charset="0"/>
+                <a:cs typeface="Times New Roman" panose="02020603050405020304" pitchFamily="18" charset="0"/>
+              </a:rPr>
+              <a:t>tako da favorizuje regione većih dimenzija, čime se izbegava obeležavanje jednog psa sa više manjih regiona, a takođe se dobija i efekat grupisanja više pasa iste rase u iste regione, što povećava preglednost rezultata.</a:t>
             </a:r>
           </a:p>
         </p:txBody>
@@ -4542,7 +4733,7 @@
         <p:spPr>
           <a:xfrm>
             <a:off x="23270306" y="16535255"/>
-            <a:ext cx="8323385" cy="9479518"/>
+            <a:ext cx="8323385" cy="9910405"/>
           </a:xfrm>
           <a:prstGeom prst="rect">
             <a:avLst/>
@@ -4656,7 +4847,14 @@
                 <a:latin typeface="Times New Roman" panose="02020603050405020304" pitchFamily="18" charset="0"/>
                 <a:cs typeface="Times New Roman" panose="02020603050405020304" pitchFamily="18" charset="0"/>
               </a:rPr>
-              <a:t>Uočava se da je korišćenje </a:t>
+              <a:t>Rezultati pokazuju </a:t>
+            </a:r>
+            <a:r>
+              <a:rPr lang="sr-Latn-RS" sz="2800" dirty="0" smtClean="0">
+                <a:latin typeface="Times New Roman" panose="02020603050405020304" pitchFamily="18" charset="0"/>
+                <a:cs typeface="Times New Roman" panose="02020603050405020304" pitchFamily="18" charset="0"/>
+              </a:rPr>
+              <a:t>da je korišćenje </a:t>
             </a:r>
             <a:r>
               <a:rPr lang="sr-Latn-RS" sz="2800" i="1" dirty="0" smtClean="0">
@@ -4684,35 +4882,21 @@
                 <a:latin typeface="Times New Roman" panose="02020603050405020304" pitchFamily="18" charset="0"/>
                 <a:cs typeface="Times New Roman" panose="02020603050405020304" pitchFamily="18" charset="0"/>
               </a:rPr>
-              <a:t> </a:t>
-            </a:r>
-            <a:r>
-              <a:rPr lang="sr-Latn-RS" sz="2800" dirty="0" smtClean="0">
-                <a:latin typeface="Times New Roman" panose="02020603050405020304" pitchFamily="18" charset="0"/>
-                <a:cs typeface="Times New Roman" panose="02020603050405020304" pitchFamily="18" charset="0"/>
-              </a:rPr>
-              <a:t>Međutim, </a:t>
-            </a:r>
-            <a:r>
-              <a:rPr lang="sr-Latn-RS" sz="2800" dirty="0" smtClean="0">
-                <a:latin typeface="Times New Roman" panose="02020603050405020304" pitchFamily="18" charset="0"/>
-                <a:cs typeface="Times New Roman" panose="02020603050405020304" pitchFamily="18" charset="0"/>
-              </a:rPr>
-              <a:t>korišćenje ove mreže je dovelo do nižeg stepena tačnosti prilikom klasifikacije pasa. Ovo bi se </a:t>
-            </a:r>
-            <a:r>
-              <a:rPr lang="sr-Latn-RS" sz="2800" dirty="0" smtClean="0">
-                <a:latin typeface="Times New Roman" panose="02020603050405020304" pitchFamily="18" charset="0"/>
-                <a:cs typeface="Times New Roman" panose="02020603050405020304" pitchFamily="18" charset="0"/>
-              </a:rPr>
-              <a:t>moglo </a:t>
-            </a:r>
-            <a:r>
-              <a:rPr lang="sr-Latn-RS" sz="2800" dirty="0" smtClean="0">
-                <a:latin typeface="Times New Roman" panose="02020603050405020304" pitchFamily="18" charset="0"/>
-                <a:cs typeface="Times New Roman" panose="02020603050405020304" pitchFamily="18" charset="0"/>
-              </a:rPr>
-              <a:t>objasniti činjenicom da regioni od interesa koji su dovoljno dobri </a:t>
+              <a:t> Međutim, korišćenje ove mreže je dovelo </a:t>
+            </a:r>
+            <a:r>
+              <a:rPr lang="sr-Latn-RS" sz="2800" dirty="0" smtClean="0">
+                <a:latin typeface="Times New Roman" panose="02020603050405020304" pitchFamily="18" charset="0"/>
+                <a:cs typeface="Times New Roman" panose="02020603050405020304" pitchFamily="18" charset="0"/>
+              </a:rPr>
+              <a:t>i do </a:t>
+            </a:r>
+            <a:r>
+              <a:rPr lang="sr-Latn-RS" sz="2800" dirty="0" smtClean="0">
+                <a:latin typeface="Times New Roman" panose="02020603050405020304" pitchFamily="18" charset="0"/>
+                <a:cs typeface="Times New Roman" panose="02020603050405020304" pitchFamily="18" charset="0"/>
+              </a:rPr>
+              <a:t>nižeg stepena tačnosti prilikom klasifikacije pasa. Ovo bi se moglo objasniti činjenicom da regioni od interesa koji su dovoljno dobri </a:t>
             </a:r>
             <a:r>
               <a:rPr lang="sr-Latn-RS" sz="2800" dirty="0">
@@ -4726,28 +4910,21 @@
                 <a:latin typeface="Times New Roman" panose="02020603050405020304" pitchFamily="18" charset="0"/>
                 <a:cs typeface="Times New Roman" panose="02020603050405020304" pitchFamily="18" charset="0"/>
               </a:rPr>
-              <a:t>a </a:t>
-            </a:r>
-            <a:r>
-              <a:rPr lang="sr-Latn-RS" sz="2800" dirty="0" smtClean="0">
-                <a:latin typeface="Times New Roman" panose="02020603050405020304" pitchFamily="18" charset="0"/>
-                <a:cs typeface="Times New Roman" panose="02020603050405020304" pitchFamily="18" charset="0"/>
-              </a:rPr>
-              <a:t>ResNet na njima prepozna pse, ne moraju nužno biti i </a:t>
-            </a:r>
-            <a:r>
-              <a:rPr lang="sr-Latn-RS" sz="2800" dirty="0" smtClean="0">
-                <a:latin typeface="Times New Roman" panose="02020603050405020304" pitchFamily="18" charset="0"/>
-                <a:cs typeface="Times New Roman" panose="02020603050405020304" pitchFamily="18" charset="0"/>
-              </a:rPr>
-              <a:t>dovoljno dobri </a:t>
-            </a:r>
-            <a:r>
-              <a:rPr lang="sr-Latn-RS" sz="2800" dirty="0" smtClean="0">
-                <a:latin typeface="Times New Roman" panose="02020603050405020304" pitchFamily="18" charset="0"/>
-                <a:cs typeface="Times New Roman" panose="02020603050405020304" pitchFamily="18" charset="0"/>
-              </a:rPr>
-              <a:t>da bi naša CNN mogla tačno klasifikovati pse u njima.</a:t>
+              <a:t>a ResNet na njima prepozna pse, ne moraju nužno biti i dovoljno dobri da bi naša CNN mogla tačno klasifikovati pse </a:t>
+            </a:r>
+            <a:r>
+              <a:rPr lang="sr-Latn-RS" sz="2800" dirty="0" smtClean="0">
+                <a:latin typeface="Times New Roman" panose="02020603050405020304" pitchFamily="18" charset="0"/>
+                <a:cs typeface="Times New Roman" panose="02020603050405020304" pitchFamily="18" charset="0"/>
+              </a:rPr>
+              <a:t>u </a:t>
+            </a:r>
+            <a:r>
+              <a:rPr lang="sr-Latn-RS" sz="2800" dirty="0" smtClean="0">
+                <a:latin typeface="Times New Roman" panose="02020603050405020304" pitchFamily="18" charset="0"/>
+                <a:cs typeface="Times New Roman" panose="02020603050405020304" pitchFamily="18" charset="0"/>
+              </a:rPr>
+              <a:t>njima.</a:t>
             </a:r>
           </a:p>
           <a:p>
@@ -4761,42 +4938,7 @@
                 <a:latin typeface="Times New Roman" panose="02020603050405020304" pitchFamily="18" charset="0"/>
                 <a:cs typeface="Times New Roman" panose="02020603050405020304" pitchFamily="18" charset="0"/>
               </a:rPr>
-              <a:t>Ipak, prva varijanta ovog metoda ostvarila </a:t>
-            </a:r>
-            <a:r>
-              <a:rPr lang="sr-Latn-RS" sz="2800" dirty="0" smtClean="0">
-                <a:latin typeface="Times New Roman" panose="02020603050405020304" pitchFamily="18" charset="0"/>
-                <a:cs typeface="Times New Roman" panose="02020603050405020304" pitchFamily="18" charset="0"/>
-              </a:rPr>
-              <a:t>je visok </a:t>
-            </a:r>
-            <a:r>
-              <a:rPr lang="sr-Latn-RS" sz="2800" dirty="0" smtClean="0">
-                <a:latin typeface="Times New Roman" panose="02020603050405020304" pitchFamily="18" charset="0"/>
-                <a:cs typeface="Times New Roman" panose="02020603050405020304" pitchFamily="18" charset="0"/>
-              </a:rPr>
-              <a:t>stepen tačnosti, te </a:t>
-            </a:r>
-            <a:r>
-              <a:rPr lang="sr-Latn-RS" sz="2800" dirty="0" smtClean="0">
-                <a:latin typeface="Times New Roman" panose="02020603050405020304" pitchFamily="18" charset="0"/>
-                <a:cs typeface="Times New Roman" panose="02020603050405020304" pitchFamily="18" charset="0"/>
-              </a:rPr>
-              <a:t>je njena upotreba i dalje </a:t>
-            </a:r>
-            <a:r>
-              <a:rPr lang="sr-Latn-RS" sz="2800" dirty="0" smtClean="0">
-                <a:latin typeface="Times New Roman" panose="02020603050405020304" pitchFamily="18" charset="0"/>
-                <a:cs typeface="Times New Roman" panose="02020603050405020304" pitchFamily="18" charset="0"/>
-              </a:rPr>
-              <a:t>unapređivanje </a:t>
-            </a:r>
-            <a:r>
-              <a:rPr lang="sr-Latn-RS" sz="2800" dirty="0" smtClean="0">
-                <a:latin typeface="Times New Roman" panose="02020603050405020304" pitchFamily="18" charset="0"/>
-                <a:cs typeface="Times New Roman" panose="02020603050405020304" pitchFamily="18" charset="0"/>
-              </a:rPr>
-              <a:t>opravdano.</a:t>
+              <a:t>Ipak, prva varijanta ovog metoda ostvarila je visok stepen tačnosti, te je njena upotreba i dalje unapređivanje opravdano.</a:t>
             </a:r>
             <a:endParaRPr lang="sr-Latn-RS" sz="2800" dirty="0">
               <a:latin typeface="Times New Roman" panose="02020603050405020304" pitchFamily="18" charset="0"/>
@@ -4837,21 +4979,7 @@
                 <a:latin typeface="Times New Roman" panose="02020603050405020304" pitchFamily="18" charset="0"/>
                 <a:cs typeface="Times New Roman" panose="02020603050405020304" pitchFamily="18" charset="0"/>
               </a:rPr>
-              <a:t>Drugi metod predstavlja modifikaciju prvog metoda </a:t>
-            </a:r>
-            <a:r>
-              <a:rPr lang="sr-Latn-RS" sz="2800" dirty="0" smtClean="0">
-                <a:latin typeface="Times New Roman" panose="02020603050405020304" pitchFamily="18" charset="0"/>
-                <a:cs typeface="Times New Roman" panose="02020603050405020304" pitchFamily="18" charset="0"/>
-              </a:rPr>
-              <a:t>koji </a:t>
-            </a:r>
-            <a:r>
-              <a:rPr lang="sr-Latn-RS" sz="2800" dirty="0" smtClean="0">
-                <a:latin typeface="Times New Roman" panose="02020603050405020304" pitchFamily="18" charset="0"/>
-                <a:cs typeface="Times New Roman" panose="02020603050405020304" pitchFamily="18" charset="0"/>
-              </a:rPr>
-              <a:t>u fazi detekcije pasa na slici koristi pretreniranu </a:t>
+              <a:t>Drugi metod predstavlja modifikaciju prvog metoda koji u fazi detekcije pasa na slici koristi pretreniranu </a:t>
             </a:r>
             <a:r>
               <a:rPr lang="sr-Latn-RS" sz="2800" i="1" dirty="0" smtClean="0">
@@ -4865,21 +4993,7 @@
                 <a:latin typeface="Times New Roman" panose="02020603050405020304" pitchFamily="18" charset="0"/>
                 <a:cs typeface="Times New Roman" panose="02020603050405020304" pitchFamily="18" charset="0"/>
               </a:rPr>
-              <a:t> neuronsku </a:t>
-            </a:r>
-            <a:r>
-              <a:rPr lang="sr-Latn-RS" sz="2800" dirty="0" smtClean="0">
-                <a:latin typeface="Times New Roman" panose="02020603050405020304" pitchFamily="18" charset="0"/>
-                <a:cs typeface="Times New Roman" panose="02020603050405020304" pitchFamily="18" charset="0"/>
-              </a:rPr>
-              <a:t>mrežu iz </a:t>
-            </a:r>
-            <a:r>
-              <a:rPr lang="sr-Latn-RS" sz="2800" dirty="0" smtClean="0">
-                <a:latin typeface="Times New Roman" panose="02020603050405020304" pitchFamily="18" charset="0"/>
-                <a:cs typeface="Times New Roman" panose="02020603050405020304" pitchFamily="18" charset="0"/>
-              </a:rPr>
-              <a:t>Python </a:t>
+              <a:t> neuronsku mrežu iz Python </a:t>
             </a:r>
             <a:r>
               <a:rPr lang="sr-Latn-RS" sz="2800" i="1" dirty="0" smtClean="0">
@@ -4956,42 +5070,7 @@
                 <a:latin typeface="Times New Roman" panose="02020603050405020304" pitchFamily="18" charset="0"/>
                 <a:cs typeface="Times New Roman" panose="02020603050405020304" pitchFamily="18" charset="0"/>
               </a:rPr>
-              <a:t> skupu podataka sa </a:t>
-            </a:r>
-            <a:r>
-              <a:rPr lang="sr-Latn-RS" sz="2800" dirty="0" smtClean="0">
-                <a:latin typeface="Times New Roman" panose="02020603050405020304" pitchFamily="18" charset="0"/>
-                <a:cs typeface="Times New Roman" panose="02020603050405020304" pitchFamily="18" charset="0"/>
-              </a:rPr>
-              <a:t>preko 14 </a:t>
-            </a:r>
-            <a:r>
-              <a:rPr lang="sr-Latn-RS" sz="2800" dirty="0" smtClean="0">
-                <a:latin typeface="Times New Roman" panose="02020603050405020304" pitchFamily="18" charset="0"/>
-                <a:cs typeface="Times New Roman" panose="02020603050405020304" pitchFamily="18" charset="0"/>
-              </a:rPr>
-              <a:t>miliona slika podeljenjih </a:t>
-            </a:r>
-            <a:r>
-              <a:rPr lang="sr-Latn-RS" sz="2800" dirty="0" smtClean="0">
-                <a:latin typeface="Times New Roman" panose="02020603050405020304" pitchFamily="18" charset="0"/>
-                <a:cs typeface="Times New Roman" panose="02020603050405020304" pitchFamily="18" charset="0"/>
-              </a:rPr>
-              <a:t>preko</a:t>
-            </a:r>
-            <a:r>
-              <a:rPr lang="sr-Latn-RS" sz="2800" dirty="0" smtClean="0">
-                <a:latin typeface="Times New Roman" panose="02020603050405020304" pitchFamily="18" charset="0"/>
-                <a:cs typeface="Times New Roman" panose="02020603050405020304" pitchFamily="18" charset="0"/>
-              </a:rPr>
-              <a:t> 20000 </a:t>
-            </a:r>
-            <a:r>
-              <a:rPr lang="sr-Latn-RS" sz="2800" dirty="0" smtClean="0">
-                <a:latin typeface="Times New Roman" panose="02020603050405020304" pitchFamily="18" charset="0"/>
-                <a:cs typeface="Times New Roman" panose="02020603050405020304" pitchFamily="18" charset="0"/>
-              </a:rPr>
-              <a:t>klasa, od čega 118 klasa predstavlja rase pasa.</a:t>
+              <a:t> skupu podataka sa preko 14 miliona slika podeljenjih preko 20000 klasa, od čega 118 klasa predstavlja rase pasa.</a:t>
             </a:r>
           </a:p>
           <a:p>
@@ -5042,21 +5121,7 @@
                 <a:latin typeface="Times New Roman" panose="02020603050405020304" pitchFamily="18" charset="0"/>
                 <a:cs typeface="Times New Roman" panose="02020603050405020304" pitchFamily="18" charset="0"/>
               </a:rPr>
-              <a:t>Na osnovu dobijenih rezultata, može se zaključiti da su oba metoda, pogotovo u trećoj, odnosno prvoj </a:t>
-            </a:r>
-            <a:r>
-              <a:rPr lang="sr-Latn-RS" sz="2800" dirty="0" smtClean="0">
-                <a:latin typeface="Times New Roman" panose="02020603050405020304" pitchFamily="18" charset="0"/>
-                <a:cs typeface="Times New Roman" panose="02020603050405020304" pitchFamily="18" charset="0"/>
-              </a:rPr>
-              <a:t>varijanti</a:t>
-            </a:r>
-            <a:r>
-              <a:rPr lang="sr-Latn-RS" sz="2800" dirty="0" smtClean="0">
-                <a:latin typeface="Times New Roman" panose="02020603050405020304" pitchFamily="18" charset="0"/>
-                <a:cs typeface="Times New Roman" panose="02020603050405020304" pitchFamily="18" charset="0"/>
-              </a:rPr>
-              <a:t>, pokazali visok stepen efikasnosti u detekciji, ali i određivanju rasa pasa.</a:t>
+              <a:t>Na osnovu dobijenih rezultata, može se zaključiti da su oba metoda, pogotovo u trećoj, odnosno prvoj varijanti, pokazali visok stepen efikasnosti u detekciji, ali i određivanju rasa pasa.</a:t>
             </a:r>
           </a:p>
           <a:p>
@@ -5084,21 +5149,7 @@
                 <a:latin typeface="Times New Roman" panose="02020603050405020304" pitchFamily="18" charset="0"/>
                 <a:cs typeface="Times New Roman" panose="02020603050405020304" pitchFamily="18" charset="0"/>
               </a:rPr>
-              <a:t>algoritma u prvom metodu, dok je u drugom </a:t>
-            </a:r>
-            <a:r>
-              <a:rPr lang="sr-Latn-RS" sz="2800" dirty="0" smtClean="0">
-                <a:latin typeface="Times New Roman" panose="02020603050405020304" pitchFamily="18" charset="0"/>
-                <a:cs typeface="Times New Roman" panose="02020603050405020304" pitchFamily="18" charset="0"/>
-              </a:rPr>
-              <a:t>metodu </a:t>
-            </a:r>
-            <a:r>
-              <a:rPr lang="sr-Latn-RS" sz="2800" dirty="0" smtClean="0">
-                <a:latin typeface="Times New Roman" panose="02020603050405020304" pitchFamily="18" charset="0"/>
-                <a:cs typeface="Times New Roman" panose="02020603050405020304" pitchFamily="18" charset="0"/>
-              </a:rPr>
-              <a:t>bolje rezultate dalo korišćenje</a:t>
+              <a:t>algoritma u prvom metodu, dok je u drugom metodu bolje rezultate dalo korišćenje</a:t>
             </a:r>
             <a:r>
               <a:rPr lang="sr-Latn-RS" sz="2800" i="1" dirty="0" smtClean="0">
@@ -5162,21 +5213,7 @@
                 <a:latin typeface="Times New Roman" panose="02020603050405020304" pitchFamily="18" charset="0"/>
                 <a:cs typeface="Times New Roman" panose="02020603050405020304" pitchFamily="18" charset="0"/>
               </a:rPr>
-              <a:t>Iz istog razloga se ne očekuju odlične performanse </a:t>
-            </a:r>
-            <a:r>
-              <a:rPr lang="sr-Latn-RS" sz="2800" dirty="0" smtClean="0">
-                <a:latin typeface="Times New Roman" panose="02020603050405020304" pitchFamily="18" charset="0"/>
-                <a:cs typeface="Times New Roman" panose="02020603050405020304" pitchFamily="18" charset="0"/>
-              </a:rPr>
-              <a:t>naše </a:t>
-            </a:r>
-            <a:r>
-              <a:rPr lang="sr-Latn-RS" sz="2800" dirty="0" smtClean="0">
-                <a:latin typeface="Times New Roman" panose="02020603050405020304" pitchFamily="18" charset="0"/>
-                <a:cs typeface="Times New Roman" panose="02020603050405020304" pitchFamily="18" charset="0"/>
-              </a:rPr>
-              <a:t>CNN u slučaju primene na slike niskog kvaliteta, lošeg osvetljenja, slika koje sadrže pse malih dimenzija, kao i u slučaju varijacija u izgledu u okviru iste rase.</a:t>
+              <a:t>Iz istog razloga se ne očekuju odlične performanse naše CNN u slučaju primene na slike niskog kvaliteta, lošeg osvetljenja, slika koje sadrže pse malih dimenzija, kao i u slučaju varijacija u izgledu u okviru iste rase.</a:t>
             </a:r>
             <a:endParaRPr lang="sr-Latn-RS" sz="2800" dirty="0">
               <a:latin typeface="Times New Roman" panose="02020603050405020304" pitchFamily="18" charset="0"/>
@@ -5220,14 +5257,7 @@
                 <a:latin typeface="Times New Roman" panose="02020603050405020304" pitchFamily="18" charset="0"/>
                 <a:cs typeface="Times New Roman" panose="02020603050405020304" pitchFamily="18" charset="0"/>
               </a:rPr>
-              <a:t>je </a:t>
-            </a:r>
-            <a:r>
-              <a:rPr lang="sr-Latn-RS" sz="2800" smtClean="0">
-                <a:latin typeface="Times New Roman" panose="02020603050405020304" pitchFamily="18" charset="0"/>
-                <a:cs typeface="Times New Roman" panose="02020603050405020304" pitchFamily="18" charset="0"/>
-              </a:rPr>
-              <a:t>naša </a:t>
+              <a:t>je naša </a:t>
             </a:r>
             <a:r>
               <a:rPr lang="sr-Latn-RS" sz="2800" dirty="0" smtClean="0">
@@ -5450,10 +5480,10 @@
         </p:nvGrpSpPr>
         <p:grpSpPr>
           <a:xfrm>
-            <a:off x="1729150" y="24887951"/>
-            <a:ext cx="7280032" cy="2772578"/>
+            <a:off x="1729150" y="24887950"/>
+            <a:ext cx="7280032" cy="2741801"/>
             <a:chOff x="1699843" y="27613868"/>
-            <a:chExt cx="7280032" cy="2908253"/>
+            <a:chExt cx="7280032" cy="2875970"/>
           </a:xfrm>
         </p:grpSpPr>
         <p:grpSp>
@@ -5570,7 +5600,7 @@
           <p:spPr>
             <a:xfrm>
               <a:off x="2378612" y="29973297"/>
-              <a:ext cx="5981110" cy="548824"/>
+              <a:ext cx="5981110" cy="516541"/>
             </a:xfrm>
             <a:prstGeom prst="rect">
               <a:avLst/>
@@ -5585,18 +5615,10 @@
             <a:p>
               <a:pPr algn="ctr"/>
               <a:r>
-                <a:rPr lang="sr-Latn-RS" sz="2800" dirty="0" smtClean="0"/>
-                <a:t>Slika 1 – </a:t>
+                <a:rPr lang="sr-Latn-RS" sz="2600" dirty="0" smtClean="0"/>
+                <a:t>Slika 1 – primeri slika na kojima su psi</a:t>
               </a:r>
-              <a:r>
-                <a:rPr lang="sr-Latn-RS" sz="2600" dirty="0" smtClean="0"/>
-                <a:t>primeri</a:t>
-              </a:r>
-              <a:r>
-                <a:rPr lang="sr-Latn-RS" sz="2800" dirty="0" smtClean="0"/>
-                <a:t> slika na kojima su psi</a:t>
-              </a:r>
-              <a:endParaRPr lang="sr-Latn-RS" sz="2800" dirty="0"/>
+              <a:endParaRPr lang="sr-Latn-RS" sz="2600" dirty="0"/>
             </a:p>
           </p:txBody>
         </p:sp>
@@ -5658,9 +5680,9 @@
         <p:grpSpPr>
           <a:xfrm>
             <a:off x="12835953" y="27563662"/>
-            <a:ext cx="7232959" cy="3891015"/>
+            <a:ext cx="7232959" cy="3952570"/>
             <a:chOff x="12835953" y="27406576"/>
-            <a:chExt cx="7232959" cy="3891015"/>
+            <a:chExt cx="7232959" cy="3952570"/>
           </a:xfrm>
         </p:grpSpPr>
         <p:grpSp>
@@ -5672,9 +5694,9 @@
           <p:grpSpPr>
             <a:xfrm>
               <a:off x="12835953" y="27442719"/>
-              <a:ext cx="6929004" cy="3854872"/>
+              <a:ext cx="6929004" cy="3916427"/>
               <a:chOff x="12835953" y="27442719"/>
-              <a:chExt cx="6929004" cy="3854872"/>
+              <a:chExt cx="6929004" cy="3916427"/>
             </a:xfrm>
           </p:grpSpPr>
           <p:sp>
@@ -5686,7 +5708,7 @@
             <p:spPr>
               <a:xfrm>
                 <a:off x="13217916" y="30466594"/>
-                <a:ext cx="6547041" cy="830997"/>
+                <a:ext cx="6547041" cy="892552"/>
               </a:xfrm>
               <a:prstGeom prst="rect">
                 <a:avLst/>
@@ -5701,25 +5723,25 @@
               <a:p>
                 <a:pPr algn="ctr"/>
                 <a:r>
-                  <a:rPr lang="sr-Latn-RS" sz="2400" dirty="0" smtClean="0"/>
+                  <a:rPr lang="sr-Latn-RS" sz="2600" dirty="0" smtClean="0"/>
                   <a:t>Slika 3 – primer izlaza</a:t>
                 </a:r>
                 <a:r>
-                  <a:rPr lang="sr-Latn-RS" sz="2400" dirty="0"/>
+                  <a:rPr lang="sr-Latn-RS" sz="2600" dirty="0"/>
                   <a:t> </a:t>
                 </a:r>
                 <a:r>
-                  <a:rPr lang="sr-Latn-RS" sz="2400" dirty="0" smtClean="0"/>
+                  <a:rPr lang="sr-Latn-RS" sz="2600" dirty="0" smtClean="0"/>
                   <a:t>bez (ceo)</a:t>
                 </a:r>
               </a:p>
               <a:p>
                 <a:pPr algn="ctr"/>
                 <a:r>
-                  <a:rPr lang="sr-Latn-RS" sz="2400" dirty="0" smtClean="0"/>
+                  <a:rPr lang="sr-Latn-RS" sz="2600" dirty="0" smtClean="0"/>
                   <a:t>i sa false-positive-om (isečak)</a:t>
                 </a:r>
-                <a:endParaRPr lang="sr-Latn-RS" sz="2400" dirty="0"/>
+                <a:endParaRPr lang="sr-Latn-RS" sz="2600" dirty="0"/>
               </a:p>
             </p:txBody>
           </p:sp>
@@ -5782,9 +5804,9 @@
         <p:grpSpPr>
           <a:xfrm>
             <a:off x="23822230" y="27399407"/>
-            <a:ext cx="7251773" cy="3639771"/>
+            <a:ext cx="7251773" cy="4039880"/>
             <a:chOff x="23805357" y="27381690"/>
-            <a:chExt cx="7251773" cy="3639771"/>
+            <a:chExt cx="7251773" cy="4039880"/>
           </a:xfrm>
         </p:grpSpPr>
         <p:sp>
@@ -5796,7 +5818,7 @@
           <p:spPr>
             <a:xfrm>
               <a:off x="23971650" y="30529018"/>
-              <a:ext cx="7085480" cy="492443"/>
+              <a:ext cx="7085480" cy="892552"/>
             </a:xfrm>
             <a:prstGeom prst="rect">
               <a:avLst/>
@@ -5820,11 +5842,7 @@
               </a:r>
               <a:r>
                 <a:rPr lang="sr-Latn-RS" sz="2600" dirty="0" smtClean="0"/>
-                <a:t> – </a:t>
-              </a:r>
-              <a:r>
-                <a:rPr lang="sr-Latn-RS" sz="2400" dirty="0" smtClean="0"/>
-                <a:t>primer izlaza i primer odsustva false-positive-a</a:t>
+                <a:t> – primer izlaza i primer odsustva false-positive-a</a:t>
               </a:r>
               <a:endParaRPr lang="sr-Latn-RS" sz="2600" dirty="0"/>
             </a:p>
